--- a/1.pptx
+++ b/1.pptx
@@ -5,10 +5,11 @@
     <p:sldMasterId id="2147483816" r:id="rId1"/>
   </p:sldMasterIdLst>
   <p:notesMasterIdLst>
-    <p:notesMasterId r:id="rId3"/>
+    <p:notesMasterId r:id="rId4"/>
   </p:notesMasterIdLst>
   <p:sldIdLst>
     <p:sldId id="267" r:id="rId2"/>
+    <p:sldId id="268" r:id="rId3"/>
   </p:sldIdLst>
   <p:sldSz cx="9144000" cy="6858000" type="screen4x3"/>
   <p:notesSz cx="6858000" cy="9144000"/>
@@ -109,7 +110,7 @@
   </p:defaultTextStyle>
   <p:extLst>
     <p:ext uri="{EFAFB233-063F-42B5-8137-9DF3F51BA10A}">
-      <p15:sldGuideLst xmlns:p15="http://schemas.microsoft.com/office/powerpoint/2012/main" xmlns="">
+      <p15:sldGuideLst xmlns="" xmlns:p15="http://schemas.microsoft.com/office/powerpoint/2012/main">
         <p15:guide id="1" orient="horz" pos="2160">
           <p15:clr>
             <a:srgbClr val="A4A3A4"/>
@@ -4617,6 +4618,36 @@
 </p:sld>
 </file>
 
+<file path=ppt/slides/slide2.xml><?xml version="1.0" encoding="utf-8"?>
+<p:sld xmlns:a="http://schemas.openxmlformats.org/drawingml/2006/main" xmlns:r="http://schemas.openxmlformats.org/officeDocument/2006/relationships" xmlns:p="http://schemas.openxmlformats.org/presentationml/2006/main">
+  <p:cSld>
+    <p:spTree>
+      <p:nvGrpSpPr>
+        <p:cNvPr id="1" name=""/>
+        <p:cNvGrpSpPr/>
+        <p:nvPr/>
+      </p:nvGrpSpPr>
+      <p:grpSpPr>
+        <a:xfrm>
+          <a:off x="0" y="0"/>
+          <a:ext cx="0" cy="0"/>
+          <a:chOff x="0" y="0"/>
+          <a:chExt cx="0" cy="0"/>
+        </a:xfrm>
+      </p:grpSpPr>
+    </p:spTree>
+    <p:extLst>
+      <p:ext uri="{BB962C8B-B14F-4D97-AF65-F5344CB8AC3E}">
+        <p14:creationId xmlns:p14="http://schemas.microsoft.com/office/powerpoint/2010/main" val="4029480105"/>
+      </p:ext>
+    </p:extLst>
+  </p:cSld>
+  <p:clrMapOvr>
+    <a:masterClrMapping/>
+  </p:clrMapOvr>
+</p:sld>
+</file>
+
 <file path=ppt/theme/theme1.xml><?xml version="1.0" encoding="utf-8"?>
 <a:theme xmlns:a="http://schemas.openxmlformats.org/drawingml/2006/main" name="Wood Type">
   <a:themeElements>
@@ -4836,7 +4867,7 @@
   <a:extraClrSchemeLst/>
   <a:extLst>
     <a:ext uri="{05A4C25C-085E-4340-85A3-A5531E510DB2}">
-      <thm15:themeFamily xmlns:thm15="http://schemas.microsoft.com/office/thememl/2012/main" xmlns="" name="Wood Type" id="{7ACABC62-BF99-48CF-A9DC-4DB89C7B13DC}" vid="{BE1B6DD8-9976-4550-A6F4-B2DD4EA939DA}"/>
+      <thm15:themeFamily xmlns="" xmlns:thm15="http://schemas.microsoft.com/office/thememl/2012/main" name="Wood Type" id="{7ACABC62-BF99-48CF-A9DC-4DB89C7B13DC}" vid="{BE1B6DD8-9976-4550-A6F4-B2DD4EA939DA}"/>
     </a:ext>
   </a:extLst>
 </a:theme>

--- a/1.pptx
+++ b/1.pptx
@@ -5,11 +5,12 @@
     <p:sldMasterId id="2147483816" r:id="rId1"/>
   </p:sldMasterIdLst>
   <p:notesMasterIdLst>
-    <p:notesMasterId r:id="rId4"/>
+    <p:notesMasterId r:id="rId5"/>
   </p:notesMasterIdLst>
   <p:sldIdLst>
     <p:sldId id="267" r:id="rId2"/>
     <p:sldId id="268" r:id="rId3"/>
+    <p:sldId id="269" r:id="rId4"/>
   </p:sldIdLst>
   <p:sldSz cx="9144000" cy="6858000" type="screen4x3"/>
   <p:notesSz cx="6858000" cy="9144000"/>
@@ -110,7 +111,7 @@
   </p:defaultTextStyle>
   <p:extLst>
     <p:ext uri="{EFAFB233-063F-42B5-8137-9DF3F51BA10A}">
-      <p15:sldGuideLst xmlns="" xmlns:p15="http://schemas.microsoft.com/office/powerpoint/2012/main">
+      <p15:sldGuideLst xmlns:p15="http://schemas.microsoft.com/office/powerpoint/2012/main" xmlns="">
         <p15:guide id="1" orient="horz" pos="2160">
           <p15:clr>
             <a:srgbClr val="A4A3A4"/>
@@ -4648,6 +4649,36 @@
 </p:sld>
 </file>
 
+<file path=ppt/slides/slide3.xml><?xml version="1.0" encoding="utf-8"?>
+<p:sld xmlns:a="http://schemas.openxmlformats.org/drawingml/2006/main" xmlns:r="http://schemas.openxmlformats.org/officeDocument/2006/relationships" xmlns:p="http://schemas.openxmlformats.org/presentationml/2006/main">
+  <p:cSld>
+    <p:spTree>
+      <p:nvGrpSpPr>
+        <p:cNvPr id="1" name=""/>
+        <p:cNvGrpSpPr/>
+        <p:nvPr/>
+      </p:nvGrpSpPr>
+      <p:grpSpPr>
+        <a:xfrm>
+          <a:off x="0" y="0"/>
+          <a:ext cx="0" cy="0"/>
+          <a:chOff x="0" y="0"/>
+          <a:chExt cx="0" cy="0"/>
+        </a:xfrm>
+      </p:grpSpPr>
+    </p:spTree>
+    <p:extLst>
+      <p:ext uri="{BB962C8B-B14F-4D97-AF65-F5344CB8AC3E}">
+        <p14:creationId xmlns:p14="http://schemas.microsoft.com/office/powerpoint/2010/main" val="2089454903"/>
+      </p:ext>
+    </p:extLst>
+  </p:cSld>
+  <p:clrMapOvr>
+    <a:masterClrMapping/>
+  </p:clrMapOvr>
+</p:sld>
+</file>
+
 <file path=ppt/theme/theme1.xml><?xml version="1.0" encoding="utf-8"?>
 <a:theme xmlns:a="http://schemas.openxmlformats.org/drawingml/2006/main" name="Wood Type">
   <a:themeElements>
@@ -4867,7 +4898,7 @@
   <a:extraClrSchemeLst/>
   <a:extLst>
     <a:ext uri="{05A4C25C-085E-4340-85A3-A5531E510DB2}">
-      <thm15:themeFamily xmlns="" xmlns:thm15="http://schemas.microsoft.com/office/thememl/2012/main" name="Wood Type" id="{7ACABC62-BF99-48CF-A9DC-4DB89C7B13DC}" vid="{BE1B6DD8-9976-4550-A6F4-B2DD4EA939DA}"/>
+      <thm15:themeFamily xmlns:thm15="http://schemas.microsoft.com/office/thememl/2012/main" xmlns="" name="Wood Type" id="{7ACABC62-BF99-48CF-A9DC-4DB89C7B13DC}" vid="{BE1B6DD8-9976-4550-A6F4-B2DD4EA939DA}"/>
     </a:ext>
   </a:extLst>
 </a:theme>

--- a/1.pptx
+++ b/1.pptx
@@ -5,12 +5,13 @@
     <p:sldMasterId id="2147483816" r:id="rId1"/>
   </p:sldMasterIdLst>
   <p:notesMasterIdLst>
-    <p:notesMasterId r:id="rId5"/>
+    <p:notesMasterId r:id="rId6"/>
   </p:notesMasterIdLst>
   <p:sldIdLst>
     <p:sldId id="267" r:id="rId2"/>
     <p:sldId id="268" r:id="rId3"/>
     <p:sldId id="269" r:id="rId4"/>
+    <p:sldId id="270" r:id="rId5"/>
   </p:sldIdLst>
   <p:sldSz cx="9144000" cy="6858000" type="screen4x3"/>
   <p:notesSz cx="6858000" cy="9144000"/>
@@ -111,7 +112,7 @@
   </p:defaultTextStyle>
   <p:extLst>
     <p:ext uri="{EFAFB233-063F-42B5-8137-9DF3F51BA10A}">
-      <p15:sldGuideLst xmlns:p15="http://schemas.microsoft.com/office/powerpoint/2012/main" xmlns="">
+      <p15:sldGuideLst xmlns="" xmlns:p15="http://schemas.microsoft.com/office/powerpoint/2012/main">
         <p15:guide id="1" orient="horz" pos="2160">
           <p15:clr>
             <a:srgbClr val="A4A3A4"/>
@@ -4679,6 +4680,36 @@
 </p:sld>
 </file>
 
+<file path=ppt/slides/slide4.xml><?xml version="1.0" encoding="utf-8"?>
+<p:sld xmlns:a="http://schemas.openxmlformats.org/drawingml/2006/main" xmlns:r="http://schemas.openxmlformats.org/officeDocument/2006/relationships" xmlns:p="http://schemas.openxmlformats.org/presentationml/2006/main">
+  <p:cSld>
+    <p:spTree>
+      <p:nvGrpSpPr>
+        <p:cNvPr id="1" name=""/>
+        <p:cNvGrpSpPr/>
+        <p:nvPr/>
+      </p:nvGrpSpPr>
+      <p:grpSpPr>
+        <a:xfrm>
+          <a:off x="0" y="0"/>
+          <a:ext cx="0" cy="0"/>
+          <a:chOff x="0" y="0"/>
+          <a:chExt cx="0" cy="0"/>
+        </a:xfrm>
+      </p:grpSpPr>
+    </p:spTree>
+    <p:extLst>
+      <p:ext uri="{BB962C8B-B14F-4D97-AF65-F5344CB8AC3E}">
+        <p14:creationId xmlns:p14="http://schemas.microsoft.com/office/powerpoint/2010/main" val="877199904"/>
+      </p:ext>
+    </p:extLst>
+  </p:cSld>
+  <p:clrMapOvr>
+    <a:masterClrMapping/>
+  </p:clrMapOvr>
+</p:sld>
+</file>
+
 <file path=ppt/theme/theme1.xml><?xml version="1.0" encoding="utf-8"?>
 <a:theme xmlns:a="http://schemas.openxmlformats.org/drawingml/2006/main" name="Wood Type">
   <a:themeElements>
@@ -4898,7 +4929,7 @@
   <a:extraClrSchemeLst/>
   <a:extLst>
     <a:ext uri="{05A4C25C-085E-4340-85A3-A5531E510DB2}">
-      <thm15:themeFamily xmlns:thm15="http://schemas.microsoft.com/office/thememl/2012/main" xmlns="" name="Wood Type" id="{7ACABC62-BF99-48CF-A9DC-4DB89C7B13DC}" vid="{BE1B6DD8-9976-4550-A6F4-B2DD4EA939DA}"/>
+      <thm15:themeFamily xmlns="" xmlns:thm15="http://schemas.microsoft.com/office/thememl/2012/main" name="Wood Type" id="{7ACABC62-BF99-48CF-A9DC-4DB89C7B13DC}" vid="{BE1B6DD8-9976-4550-A6F4-B2DD4EA939DA}"/>
     </a:ext>
   </a:extLst>
 </a:theme>

--- a/1.pptx
+++ b/1.pptx
@@ -5,13 +5,12 @@
     <p:sldMasterId id="2147483816" r:id="rId1"/>
   </p:sldMasterIdLst>
   <p:notesMasterIdLst>
-    <p:notesMasterId r:id="rId6"/>
+    <p:notesMasterId r:id="rId5"/>
   </p:notesMasterIdLst>
   <p:sldIdLst>
     <p:sldId id="267" r:id="rId2"/>
     <p:sldId id="268" r:id="rId3"/>
     <p:sldId id="269" r:id="rId4"/>
-    <p:sldId id="270" r:id="rId5"/>
   </p:sldIdLst>
   <p:sldSz cx="9144000" cy="6858000" type="screen4x3"/>
   <p:notesSz cx="6858000" cy="9144000"/>
@@ -112,7 +111,7 @@
   </p:defaultTextStyle>
   <p:extLst>
     <p:ext uri="{EFAFB233-063F-42B5-8137-9DF3F51BA10A}">
-      <p15:sldGuideLst xmlns="" xmlns:p15="http://schemas.microsoft.com/office/powerpoint/2012/main">
+      <p15:sldGuideLst xmlns:p15="http://schemas.microsoft.com/office/powerpoint/2012/main" xmlns="">
         <p15:guide id="1" orient="horz" pos="2160">
           <p15:clr>
             <a:srgbClr val="A4A3A4"/>
@@ -549,6 +548,174 @@
             <a:fld id="{EEA66583-89BE-41AC-9A97-462FFAC4CDC9}" type="slidenum">
               <a:rPr lang="en-US" smtClean="0"/>
               <a:t>1</a:t>
+            </a:fld>
+            <a:endParaRPr lang="en-US"/>
+          </a:p>
+        </p:txBody>
+      </p:sp>
+    </p:spTree>
+    <p:extLst>
+      <p:ext uri="{BB962C8B-B14F-4D97-AF65-F5344CB8AC3E}">
+        <p14:creationId xmlns:p14="http://schemas.microsoft.com/office/powerpoint/2010/main" val="1365815555"/>
+      </p:ext>
+    </p:extLst>
+  </p:cSld>
+  <p:clrMapOvr>
+    <a:masterClrMapping/>
+  </p:clrMapOvr>
+</p:notes>
+</file>
+
+<file path=ppt/notesSlides/notesSlide2.xml><?xml version="1.0" encoding="utf-8"?>
+<p:notes xmlns:a="http://schemas.openxmlformats.org/drawingml/2006/main" xmlns:r="http://schemas.openxmlformats.org/officeDocument/2006/relationships" xmlns:p="http://schemas.openxmlformats.org/presentationml/2006/main">
+  <p:cSld>
+    <p:spTree>
+      <p:nvGrpSpPr>
+        <p:cNvPr id="1" name=""/>
+        <p:cNvGrpSpPr/>
+        <p:nvPr/>
+      </p:nvGrpSpPr>
+      <p:grpSpPr>
+        <a:xfrm>
+          <a:off x="0" y="0"/>
+          <a:ext cx="0" cy="0"/>
+          <a:chOff x="0" y="0"/>
+          <a:chExt cx="0" cy="0"/>
+        </a:xfrm>
+      </p:grpSpPr>
+      <p:sp>
+        <p:nvSpPr>
+          <p:cNvPr id="2" name="Slide Image Placeholder 1"/>
+          <p:cNvSpPr>
+            <a:spLocks noGrp="1" noRot="1" noChangeAspect="1"/>
+          </p:cNvSpPr>
+          <p:nvPr>
+            <p:ph type="sldImg"/>
+          </p:nvPr>
+        </p:nvSpPr>
+        <p:spPr/>
+      </p:sp>
+      <p:sp>
+        <p:nvSpPr>
+          <p:cNvPr id="3" name="Notes Placeholder 2"/>
+          <p:cNvSpPr>
+            <a:spLocks noGrp="1"/>
+          </p:cNvSpPr>
+          <p:nvPr>
+            <p:ph type="body" idx="1"/>
+          </p:nvPr>
+        </p:nvSpPr>
+        <p:spPr/>
+        <p:txBody>
+          <a:bodyPr/>
+          <a:lstStyle/>
+          <a:p>
+            <a:endParaRPr lang="en-US"/>
+          </a:p>
+        </p:txBody>
+      </p:sp>
+      <p:sp>
+        <p:nvSpPr>
+          <p:cNvPr id="4" name="Slide Number Placeholder 3"/>
+          <p:cNvSpPr>
+            <a:spLocks noGrp="1"/>
+          </p:cNvSpPr>
+          <p:nvPr>
+            <p:ph type="sldNum" sz="quarter" idx="10"/>
+          </p:nvPr>
+        </p:nvSpPr>
+        <p:spPr/>
+        <p:txBody>
+          <a:bodyPr/>
+          <a:lstStyle/>
+          <a:p>
+            <a:fld id="{EEA66583-89BE-41AC-9A97-462FFAC4CDC9}" type="slidenum">
+              <a:rPr lang="en-US" smtClean="0"/>
+              <a:t>2</a:t>
+            </a:fld>
+            <a:endParaRPr lang="en-US"/>
+          </a:p>
+        </p:txBody>
+      </p:sp>
+    </p:spTree>
+    <p:extLst>
+      <p:ext uri="{BB962C8B-B14F-4D97-AF65-F5344CB8AC3E}">
+        <p14:creationId xmlns:p14="http://schemas.microsoft.com/office/powerpoint/2010/main" val="1365815555"/>
+      </p:ext>
+    </p:extLst>
+  </p:cSld>
+  <p:clrMapOvr>
+    <a:masterClrMapping/>
+  </p:clrMapOvr>
+</p:notes>
+</file>
+
+<file path=ppt/notesSlides/notesSlide3.xml><?xml version="1.0" encoding="utf-8"?>
+<p:notes xmlns:a="http://schemas.openxmlformats.org/drawingml/2006/main" xmlns:r="http://schemas.openxmlformats.org/officeDocument/2006/relationships" xmlns:p="http://schemas.openxmlformats.org/presentationml/2006/main">
+  <p:cSld>
+    <p:spTree>
+      <p:nvGrpSpPr>
+        <p:cNvPr id="1" name=""/>
+        <p:cNvGrpSpPr/>
+        <p:nvPr/>
+      </p:nvGrpSpPr>
+      <p:grpSpPr>
+        <a:xfrm>
+          <a:off x="0" y="0"/>
+          <a:ext cx="0" cy="0"/>
+          <a:chOff x="0" y="0"/>
+          <a:chExt cx="0" cy="0"/>
+        </a:xfrm>
+      </p:grpSpPr>
+      <p:sp>
+        <p:nvSpPr>
+          <p:cNvPr id="2" name="Slide Image Placeholder 1"/>
+          <p:cNvSpPr>
+            <a:spLocks noGrp="1" noRot="1" noChangeAspect="1"/>
+          </p:cNvSpPr>
+          <p:nvPr>
+            <p:ph type="sldImg"/>
+          </p:nvPr>
+        </p:nvSpPr>
+        <p:spPr/>
+      </p:sp>
+      <p:sp>
+        <p:nvSpPr>
+          <p:cNvPr id="3" name="Notes Placeholder 2"/>
+          <p:cNvSpPr>
+            <a:spLocks noGrp="1"/>
+          </p:cNvSpPr>
+          <p:nvPr>
+            <p:ph type="body" idx="1"/>
+          </p:nvPr>
+        </p:nvSpPr>
+        <p:spPr/>
+        <p:txBody>
+          <a:bodyPr/>
+          <a:lstStyle/>
+          <a:p>
+            <a:endParaRPr lang="en-US"/>
+          </a:p>
+        </p:txBody>
+      </p:sp>
+      <p:sp>
+        <p:nvSpPr>
+          <p:cNvPr id="4" name="Slide Number Placeholder 3"/>
+          <p:cNvSpPr>
+            <a:spLocks noGrp="1"/>
+          </p:cNvSpPr>
+          <p:nvPr>
+            <p:ph type="sldNum" sz="quarter" idx="10"/>
+          </p:nvPr>
+        </p:nvSpPr>
+        <p:spPr/>
+        <p:txBody>
+          <a:bodyPr/>
+          <a:lstStyle/>
+          <a:p>
+            <a:fld id="{EEA66583-89BE-41AC-9A97-462FFAC4CDC9}" type="slidenum">
+              <a:rPr lang="en-US" smtClean="0"/>
+              <a:t>3</a:t>
             </a:fld>
             <a:endParaRPr lang="en-US"/>
           </a:p>
@@ -4637,16 +4804,103 @@
           <a:chExt cx="0" cy="0"/>
         </a:xfrm>
       </p:grpSpPr>
+      <p:sp>
+        <p:nvSpPr>
+          <p:cNvPr id="3" name="Rectangle 2"/>
+          <p:cNvSpPr/>
+          <p:nvPr/>
+        </p:nvSpPr>
+        <p:spPr>
+          <a:xfrm>
+            <a:off x="1676400" y="2277346"/>
+            <a:ext cx="6019800" cy="646331"/>
+          </a:xfrm>
+          <a:prstGeom prst="rect">
+            <a:avLst/>
+          </a:prstGeom>
+        </p:spPr>
+        <p:txBody>
+          <a:bodyPr wrap="square">
+            <a:spAutoFit/>
+          </a:bodyPr>
+          <a:lstStyle/>
+          <a:p>
+            <a:r>
+              <a:rPr lang="en-US" sz="3600" smtClean="0"/>
+              <a:t>THANKS YOU FOR LISTEN</a:t>
+            </a:r>
+            <a:endParaRPr lang="en-US" sz="3600"/>
+          </a:p>
+        </p:txBody>
+      </p:sp>
+      <p:sp>
+        <p:nvSpPr>
+          <p:cNvPr id="4" name="Smiley Face 3"/>
+          <p:cNvSpPr/>
+          <p:nvPr/>
+        </p:nvSpPr>
+        <p:spPr>
+          <a:xfrm>
+            <a:off x="3048000" y="3352800"/>
+            <a:ext cx="2514600" cy="2362200"/>
+          </a:xfrm>
+          <a:prstGeom prst="smileyFace">
+            <a:avLst/>
+          </a:prstGeom>
+          <a:solidFill>
+            <a:schemeClr val="accent2">
+              <a:lumMod val="40000"/>
+              <a:lumOff val="60000"/>
+            </a:schemeClr>
+          </a:solidFill>
+          <a:ln>
+            <a:solidFill>
+              <a:srgbClr val="F806A7"/>
+            </a:solidFill>
+          </a:ln>
+        </p:spPr>
+        <p:style>
+          <a:lnRef idx="2">
+            <a:schemeClr val="accent1">
+              <a:shade val="50000"/>
+            </a:schemeClr>
+          </a:lnRef>
+          <a:fillRef idx="1">
+            <a:schemeClr val="accent1"/>
+          </a:fillRef>
+          <a:effectRef idx="0">
+            <a:schemeClr val="accent1"/>
+          </a:effectRef>
+          <a:fontRef idx="minor">
+            <a:schemeClr val="lt1"/>
+          </a:fontRef>
+        </p:style>
+        <p:txBody>
+          <a:bodyPr rtlCol="0" anchor="ctr"/>
+          <a:lstStyle/>
+          <a:p>
+            <a:pPr algn="ctr"/>
+            <a:endParaRPr lang="en-US"/>
+          </a:p>
+        </p:txBody>
+      </p:sp>
     </p:spTree>
     <p:extLst>
       <p:ext uri="{BB962C8B-B14F-4D97-AF65-F5344CB8AC3E}">
-        <p14:creationId xmlns:p14="http://schemas.microsoft.com/office/powerpoint/2010/main" val="4029480105"/>
+        <p14:creationId xmlns:p14="http://schemas.microsoft.com/office/powerpoint/2010/main" val="1392005842"/>
       </p:ext>
     </p:extLst>
   </p:cSld>
   <p:clrMapOvr>
     <a:masterClrMapping/>
   </p:clrMapOvr>
+  <p:timing>
+    <p:tnLst>
+      <p:par>
+        <p:cTn id="1" dur="indefinite" restart="never" nodeType="tmRoot"/>
+      </p:par>
+    </p:tnLst>
+  </p:timing>
 </p:sld>
 </file>
 
@@ -4667,46 +4921,103 @@
           <a:chExt cx="0" cy="0"/>
         </a:xfrm>
       </p:grpSpPr>
+      <p:sp>
+        <p:nvSpPr>
+          <p:cNvPr id="3" name="Rectangle 2"/>
+          <p:cNvSpPr/>
+          <p:nvPr/>
+        </p:nvSpPr>
+        <p:spPr>
+          <a:xfrm>
+            <a:off x="1676400" y="2277346"/>
+            <a:ext cx="6019800" cy="646331"/>
+          </a:xfrm>
+          <a:prstGeom prst="rect">
+            <a:avLst/>
+          </a:prstGeom>
+        </p:spPr>
+        <p:txBody>
+          <a:bodyPr wrap="square">
+            <a:spAutoFit/>
+          </a:bodyPr>
+          <a:lstStyle/>
+          <a:p>
+            <a:r>
+              <a:rPr lang="en-US" sz="3600" smtClean="0"/>
+              <a:t>THANKS YOU FOR LISTEN</a:t>
+            </a:r>
+            <a:endParaRPr lang="en-US" sz="3600"/>
+          </a:p>
+        </p:txBody>
+      </p:sp>
+      <p:sp>
+        <p:nvSpPr>
+          <p:cNvPr id="4" name="Smiley Face 3"/>
+          <p:cNvSpPr/>
+          <p:nvPr/>
+        </p:nvSpPr>
+        <p:spPr>
+          <a:xfrm>
+            <a:off x="3048000" y="3352800"/>
+            <a:ext cx="2514600" cy="2362200"/>
+          </a:xfrm>
+          <a:prstGeom prst="smileyFace">
+            <a:avLst/>
+          </a:prstGeom>
+          <a:solidFill>
+            <a:schemeClr val="accent2">
+              <a:lumMod val="40000"/>
+              <a:lumOff val="60000"/>
+            </a:schemeClr>
+          </a:solidFill>
+          <a:ln>
+            <a:solidFill>
+              <a:srgbClr val="F806A7"/>
+            </a:solidFill>
+          </a:ln>
+        </p:spPr>
+        <p:style>
+          <a:lnRef idx="2">
+            <a:schemeClr val="accent1">
+              <a:shade val="50000"/>
+            </a:schemeClr>
+          </a:lnRef>
+          <a:fillRef idx="1">
+            <a:schemeClr val="accent1"/>
+          </a:fillRef>
+          <a:effectRef idx="0">
+            <a:schemeClr val="accent1"/>
+          </a:effectRef>
+          <a:fontRef idx="minor">
+            <a:schemeClr val="lt1"/>
+          </a:fontRef>
+        </p:style>
+        <p:txBody>
+          <a:bodyPr rtlCol="0" anchor="ctr"/>
+          <a:lstStyle/>
+          <a:p>
+            <a:pPr algn="ctr"/>
+            <a:endParaRPr lang="en-US"/>
+          </a:p>
+        </p:txBody>
+      </p:sp>
     </p:spTree>
     <p:extLst>
       <p:ext uri="{BB962C8B-B14F-4D97-AF65-F5344CB8AC3E}">
-        <p14:creationId xmlns:p14="http://schemas.microsoft.com/office/powerpoint/2010/main" val="2089454903"/>
+        <p14:creationId xmlns:p14="http://schemas.microsoft.com/office/powerpoint/2010/main" val="1392005842"/>
       </p:ext>
     </p:extLst>
   </p:cSld>
   <p:clrMapOvr>
     <a:masterClrMapping/>
   </p:clrMapOvr>
-</p:sld>
-</file>
-
-<file path=ppt/slides/slide4.xml><?xml version="1.0" encoding="utf-8"?>
-<p:sld xmlns:a="http://schemas.openxmlformats.org/drawingml/2006/main" xmlns:r="http://schemas.openxmlformats.org/officeDocument/2006/relationships" xmlns:p="http://schemas.openxmlformats.org/presentationml/2006/main">
-  <p:cSld>
-    <p:spTree>
-      <p:nvGrpSpPr>
-        <p:cNvPr id="1" name=""/>
-        <p:cNvGrpSpPr/>
-        <p:nvPr/>
-      </p:nvGrpSpPr>
-      <p:grpSpPr>
-        <a:xfrm>
-          <a:off x="0" y="0"/>
-          <a:ext cx="0" cy="0"/>
-          <a:chOff x="0" y="0"/>
-          <a:chExt cx="0" cy="0"/>
-        </a:xfrm>
-      </p:grpSpPr>
-    </p:spTree>
-    <p:extLst>
-      <p:ext uri="{BB962C8B-B14F-4D97-AF65-F5344CB8AC3E}">
-        <p14:creationId xmlns:p14="http://schemas.microsoft.com/office/powerpoint/2010/main" val="877199904"/>
-      </p:ext>
-    </p:extLst>
-  </p:cSld>
-  <p:clrMapOvr>
-    <a:masterClrMapping/>
-  </p:clrMapOvr>
+  <p:timing>
+    <p:tnLst>
+      <p:par>
+        <p:cTn id="1" dur="indefinite" restart="never" nodeType="tmRoot"/>
+      </p:par>
+    </p:tnLst>
+  </p:timing>
 </p:sld>
 </file>
 
@@ -4929,7 +5240,7 @@
   <a:extraClrSchemeLst/>
   <a:extLst>
     <a:ext uri="{05A4C25C-085E-4340-85A3-A5531E510DB2}">
-      <thm15:themeFamily xmlns="" xmlns:thm15="http://schemas.microsoft.com/office/thememl/2012/main" name="Wood Type" id="{7ACABC62-BF99-48CF-A9DC-4DB89C7B13DC}" vid="{BE1B6DD8-9976-4550-A6F4-B2DD4EA939DA}"/>
+      <thm15:themeFamily xmlns:thm15="http://schemas.microsoft.com/office/thememl/2012/main" xmlns="" name="Wood Type" id="{7ACABC62-BF99-48CF-A9DC-4DB89C7B13DC}" vid="{BE1B6DD8-9976-4550-A6F4-B2DD4EA939DA}"/>
     </a:ext>
   </a:extLst>
 </a:theme>

--- a/1.pptx
+++ b/1.pptx
@@ -111,7 +111,7 @@
   </p:defaultTextStyle>
   <p:extLst>
     <p:ext uri="{EFAFB233-063F-42B5-8137-9DF3F51BA10A}">
-      <p15:sldGuideLst xmlns:p15="http://schemas.microsoft.com/office/powerpoint/2012/main" xmlns="">
+      <p15:sldGuideLst xmlns="" xmlns:p15="http://schemas.microsoft.com/office/powerpoint/2012/main">
         <p15:guide id="1" orient="horz" pos="2160">
           <p15:clr>
             <a:srgbClr val="A4A3A4"/>
@@ -214,7 +214,7 @@
           <a:p>
             <a:fld id="{9089FD6B-FDA9-4E94-8B3D-135770466D2C}" type="datetimeFigureOut">
               <a:rPr lang="en-US" smtClean="0"/>
-              <a:t>6/8/2017</a:t>
+              <a:t>6/9/2017</a:t>
             </a:fld>
             <a:endParaRPr lang="en-US"/>
           </a:p>
@@ -1139,7 +1139,7 @@
           <a:p>
             <a:fld id="{EAA1F00D-C072-40E3-A415-15BC7D749A6F}" type="datetimeFigureOut">
               <a:rPr lang="en-US" smtClean="0"/>
-              <a:t>6/8/2017</a:t>
+              <a:t>6/9/2017</a:t>
             </a:fld>
             <a:endParaRPr lang="en-US"/>
           </a:p>
@@ -1323,7 +1323,7 @@
           <a:p>
             <a:fld id="{EAA1F00D-C072-40E3-A415-15BC7D749A6F}" type="datetimeFigureOut">
               <a:rPr lang="en-US" smtClean="0"/>
-              <a:t>6/8/2017</a:t>
+              <a:t>6/9/2017</a:t>
             </a:fld>
             <a:endParaRPr lang="en-US"/>
           </a:p>
@@ -1503,7 +1503,7 @@
           <a:p>
             <a:fld id="{EAA1F00D-C072-40E3-A415-15BC7D749A6F}" type="datetimeFigureOut">
               <a:rPr lang="en-US" smtClean="0"/>
-              <a:t>6/8/2017</a:t>
+              <a:t>6/9/2017</a:t>
             </a:fld>
             <a:endParaRPr lang="en-US"/>
           </a:p>
@@ -1673,7 +1673,7 @@
           <a:p>
             <a:fld id="{EAA1F00D-C072-40E3-A415-15BC7D749A6F}" type="datetimeFigureOut">
               <a:rPr lang="en-US" smtClean="0"/>
-              <a:t>6/8/2017</a:t>
+              <a:t>6/9/2017</a:t>
             </a:fld>
             <a:endParaRPr lang="en-US"/>
           </a:p>
@@ -1998,7 +1998,7 @@
           <a:p>
             <a:fld id="{EAA1F00D-C072-40E3-A415-15BC7D749A6F}" type="datetimeFigureOut">
               <a:rPr lang="en-US" smtClean="0"/>
-              <a:t>6/8/2017</a:t>
+              <a:t>6/9/2017</a:t>
             </a:fld>
             <a:endParaRPr lang="en-US"/>
           </a:p>
@@ -2396,7 +2396,7 @@
           <a:p>
             <a:fld id="{EAA1F00D-C072-40E3-A415-15BC7D749A6F}" type="datetimeFigureOut">
               <a:rPr lang="en-US" smtClean="0"/>
-              <a:t>6/8/2017</a:t>
+              <a:t>6/9/2017</a:t>
             </a:fld>
             <a:endParaRPr lang="en-US"/>
           </a:p>
@@ -2830,7 +2830,7 @@
           <a:p>
             <a:fld id="{EAA1F00D-C072-40E3-A415-15BC7D749A6F}" type="datetimeFigureOut">
               <a:rPr lang="en-US" smtClean="0"/>
-              <a:t>6/8/2017</a:t>
+              <a:t>6/9/2017</a:t>
             </a:fld>
             <a:endParaRPr lang="en-US"/>
           </a:p>
@@ -2958,7 +2958,7 @@
           <a:p>
             <a:fld id="{EAA1F00D-C072-40E3-A415-15BC7D749A6F}" type="datetimeFigureOut">
               <a:rPr lang="en-US" smtClean="0"/>
-              <a:t>6/8/2017</a:t>
+              <a:t>6/9/2017</a:t>
             </a:fld>
             <a:endParaRPr lang="en-US"/>
           </a:p>
@@ -3063,7 +3063,7 @@
           <a:p>
             <a:fld id="{EAA1F00D-C072-40E3-A415-15BC7D749A6F}" type="datetimeFigureOut">
               <a:rPr lang="en-US" smtClean="0"/>
-              <a:t>6/8/2017</a:t>
+              <a:t>6/9/2017</a:t>
             </a:fld>
             <a:endParaRPr lang="en-US"/>
           </a:p>
@@ -3504,7 +3504,7 @@
           <a:p>
             <a:fld id="{EAA1F00D-C072-40E3-A415-15BC7D749A6F}" type="datetimeFigureOut">
               <a:rPr lang="en-US" smtClean="0"/>
-              <a:t>6/8/2017</a:t>
+              <a:t>6/9/2017</a:t>
             </a:fld>
             <a:endParaRPr lang="en-US"/>
           </a:p>
@@ -3931,7 +3931,7 @@
           <a:p>
             <a:fld id="{EAA1F00D-C072-40E3-A415-15BC7D749A6F}" type="datetimeFigureOut">
               <a:rPr lang="en-US" smtClean="0"/>
-              <a:t>6/8/2017</a:t>
+              <a:t>6/9/2017</a:t>
             </a:fld>
             <a:endParaRPr lang="en-US"/>
           </a:p>
@@ -4216,7 +4216,7 @@
           <a:p>
             <a:fld id="{EAA1F00D-C072-40E3-A415-15BC7D749A6F}" type="datetimeFigureOut">
               <a:rPr lang="en-US" smtClean="0"/>
-              <a:t>6/8/2017</a:t>
+              <a:t>6/9/2017</a:t>
             </a:fld>
             <a:endParaRPr lang="en-US"/>
           </a:p>
@@ -4710,7 +4710,7 @@
           <a:p>
             <a:r>
               <a:rPr lang="en-US" sz="3600" smtClean="0"/>
-              <a:t>THANKS YOU FOR LISTEN</a:t>
+              <a:t>UP 01 9/6/2017</a:t>
             </a:r>
             <a:endParaRPr lang="en-US" sz="3600"/>
           </a:p>
@@ -5240,7 +5240,7 @@
   <a:extraClrSchemeLst/>
   <a:extLst>
     <a:ext uri="{05A4C25C-085E-4340-85A3-A5531E510DB2}">
-      <thm15:themeFamily xmlns:thm15="http://schemas.microsoft.com/office/thememl/2012/main" xmlns="" name="Wood Type" id="{7ACABC62-BF99-48CF-A9DC-4DB89C7B13DC}" vid="{BE1B6DD8-9976-4550-A6F4-B2DD4EA939DA}"/>
+      <thm15:themeFamily xmlns="" xmlns:thm15="http://schemas.microsoft.com/office/thememl/2012/main" name="Wood Type" id="{7ACABC62-BF99-48CF-A9DC-4DB89C7B13DC}" vid="{BE1B6DD8-9976-4550-A6F4-B2DD4EA939DA}"/>
     </a:ext>
   </a:extLst>
 </a:theme>

--- a/1.pptx
+++ b/1.pptx
@@ -111,7 +111,7 @@
   </p:defaultTextStyle>
   <p:extLst>
     <p:ext uri="{EFAFB233-063F-42B5-8137-9DF3F51BA10A}">
-      <p15:sldGuideLst xmlns="" xmlns:p15="http://schemas.microsoft.com/office/powerpoint/2012/main">
+      <p15:sldGuideLst xmlns:p15="http://schemas.microsoft.com/office/powerpoint/2012/main" xmlns="">
         <p15:guide id="1" orient="horz" pos="2160">
           <p15:clr>
             <a:srgbClr val="A4A3A4"/>
@@ -4710,7 +4710,15 @@
           <a:p>
             <a:r>
               <a:rPr lang="en-US" sz="3600" smtClean="0"/>
-              <a:t>UP 01 9/6/2017</a:t>
+              <a:t>UP </a:t>
+            </a:r>
+            <a:r>
+              <a:rPr lang="en-US" sz="3600" smtClean="0"/>
+              <a:t>02 </a:t>
+            </a:r>
+            <a:r>
+              <a:rPr lang="en-US" sz="3600" smtClean="0"/>
+              <a:t>9/6/2017</a:t>
             </a:r>
             <a:endParaRPr lang="en-US" sz="3600"/>
           </a:p>
@@ -5240,7 +5248,7 @@
   <a:extraClrSchemeLst/>
   <a:extLst>
     <a:ext uri="{05A4C25C-085E-4340-85A3-A5531E510DB2}">
-      <thm15:themeFamily xmlns="" xmlns:thm15="http://schemas.microsoft.com/office/thememl/2012/main" name="Wood Type" id="{7ACABC62-BF99-48CF-A9DC-4DB89C7B13DC}" vid="{BE1B6DD8-9976-4550-A6F4-B2DD4EA939DA}"/>
+      <thm15:themeFamily xmlns:thm15="http://schemas.microsoft.com/office/thememl/2012/main" xmlns="" name="Wood Type" id="{7ACABC62-BF99-48CF-A9DC-4DB89C7B13DC}" vid="{BE1B6DD8-9976-4550-A6F4-B2DD4EA939DA}"/>
     </a:ext>
   </a:extLst>
 </a:theme>

--- a/1.pptx
+++ b/1.pptx
@@ -111,7 +111,7 @@
   </p:defaultTextStyle>
   <p:extLst>
     <p:ext uri="{EFAFB233-063F-42B5-8137-9DF3F51BA10A}">
-      <p15:sldGuideLst xmlns:p15="http://schemas.microsoft.com/office/powerpoint/2012/main" xmlns="">
+      <p15:sldGuideLst xmlns="" xmlns:p15="http://schemas.microsoft.com/office/powerpoint/2012/main">
         <p15:guide id="1" orient="horz" pos="2160">
           <p15:clr>
             <a:srgbClr val="A4A3A4"/>
@@ -4714,11 +4714,7 @@
             </a:r>
             <a:r>
               <a:rPr lang="en-US" sz="3600" smtClean="0"/>
-              <a:t>02 </a:t>
-            </a:r>
-            <a:r>
-              <a:rPr lang="en-US" sz="3600" smtClean="0"/>
-              <a:t>9/6/2017</a:t>
+              <a:t>03 9/6/2017</a:t>
             </a:r>
             <a:endParaRPr lang="en-US" sz="3600"/>
           </a:p>
@@ -5248,7 +5244,7 @@
   <a:extraClrSchemeLst/>
   <a:extLst>
     <a:ext uri="{05A4C25C-085E-4340-85A3-A5531E510DB2}">
-      <thm15:themeFamily xmlns:thm15="http://schemas.microsoft.com/office/thememl/2012/main" xmlns="" name="Wood Type" id="{7ACABC62-BF99-48CF-A9DC-4DB89C7B13DC}" vid="{BE1B6DD8-9976-4550-A6F4-B2DD4EA939DA}"/>
+      <thm15:themeFamily xmlns="" xmlns:thm15="http://schemas.microsoft.com/office/thememl/2012/main" name="Wood Type" id="{7ACABC62-BF99-48CF-A9DC-4DB89C7B13DC}" vid="{BE1B6DD8-9976-4550-A6F4-B2DD4EA939DA}"/>
     </a:ext>
   </a:extLst>
 </a:theme>
